--- a/3. Simple-Conditions/3. Simple-Conditions.pptx
+++ b/3. Simple-Conditions/3. Simple-Conditions.pptx
@@ -249,7 +249,7 @@
             <a:fld id="{FE5B4EDC-59C0-49C7-8ADA-5A781B329E02}" type="datetimeFigureOut">
               <a:rPr lang="en-US"/>
               <a:pPr/>
-              <a:t>3/26/2017</a:t>
+              <a:t>3/27/2017</a:t>
             </a:fld>
             <a:endParaRPr dirty="0"/>
           </a:p>
@@ -448,7 +448,7 @@
             <a:fld id="{F2D8D46A-B586-417D-BFBD-8C8FE0AAF762}" type="datetimeFigureOut">
               <a:rPr lang="en-US" smtClean="0"/>
               <a:pPr/>
-              <a:t>3/26/2017</a:t>
+              <a:t>3/27/2017</a:t>
             </a:fld>
             <a:endParaRPr lang="en-US"/>
           </a:p>
@@ -2176,7 +2176,7 @@
             <a:fld id="{055373AC-9AA7-423B-BA00-BA1C74164DBD}" type="datetime1">
               <a:rPr lang="en-US" smtClean="0"/>
               <a:pPr/>
-              <a:t>3/26/2017</a:t>
+              <a:t>3/27/2017</a:t>
             </a:fld>
             <a:endParaRPr lang="en-US" dirty="0"/>
           </a:p>
@@ -3277,7 +3277,7 @@
                 </a:solidFill>
               </a:rPr>
               <a:pPr/>
-              <a:t>3/26/2017</a:t>
+              <a:t>3/27/2017</a:t>
             </a:fld>
             <a:endParaRPr lang="en-US" dirty="0">
               <a:solidFill>
@@ -4453,7 +4453,7 @@
             <a:fld id="{055373AC-9AA7-423B-BA00-BA1C74164DBD}" type="datetime1">
               <a:rPr lang="en-US" smtClean="0"/>
               <a:pPr/>
-              <a:t>3/26/2017</a:t>
+              <a:t>3/27/2017</a:t>
             </a:fld>
             <a:endParaRPr lang="en-US" dirty="0"/>
           </a:p>
@@ -5071,7 +5071,7 @@
                 </a:solidFill>
               </a:rPr>
               <a:pPr/>
-              <a:t>3/26/2017</a:t>
+              <a:t>3/27/2017</a:t>
             </a:fld>
             <a:endParaRPr lang="en-US" dirty="0">
               <a:solidFill>
@@ -12305,7 +12305,7 @@
                 <a:latin typeface="Consolas" pitchFamily="49" charset="0"/>
                 <a:cs typeface="Consolas" pitchFamily="49" charset="0"/>
               </a:rPr>
-              <a:t>for (auto&amp; letter : sourceMetric)</a:t>
+              <a:t>for (auto&amp; letter : sourceMetric) // C++11 – for each char in string</a:t>
             </a:r>
           </a:p>
           <a:p>
@@ -12333,7 +12333,7 @@
                 <a:latin typeface="Consolas" pitchFamily="49" charset="0"/>
                 <a:cs typeface="Consolas" pitchFamily="49" charset="0"/>
               </a:rPr>
-              <a:t>    letter = tolower(letter);</a:t>
+              <a:t>    letter = tolower(letter);     // convert it to lower case</a:t>
             </a:r>
           </a:p>
           <a:p>
@@ -18358,7 +18358,7 @@
                 <a:latin typeface="Consolas" pitchFamily="49" charset="0"/>
                 <a:cs typeface="Consolas" pitchFamily="49" charset="0"/>
               </a:rPr>
-              <a:t>bool result = (5 &lt;= 6)</a:t>
+              <a:t>bool result = (5 &lt;= 6);</a:t>
             </a:r>
           </a:p>
           <a:p>
@@ -18850,7 +18850,7 @@
                 <a:latin typeface="Consolas" pitchFamily="49" charset="0"/>
                 <a:cs typeface="Consolas" pitchFamily="49" charset="0"/>
               </a:rPr>
-              <a:t>“</a:t>
+              <a:t>"</a:t>
             </a:r>
             <a:r>
               <a:rPr lang="it-IT" sz="2800" b="1" noProof="1">
@@ -18884,7 +18884,7 @@
                 <a:latin typeface="Consolas" pitchFamily="49" charset="0"/>
                 <a:cs typeface="Consolas" pitchFamily="49" charset="0"/>
               </a:rPr>
-              <a:t>“</a:t>
+              <a:t>"</a:t>
             </a:r>
             <a:r>
               <a:rPr lang="it-IT" sz="2800" b="1" noProof="1">
@@ -19404,7 +19404,7 @@
                 <a:latin typeface="Consolas" pitchFamily="49" charset="0"/>
                 <a:cs typeface="Consolas" pitchFamily="49" charset="0"/>
               </a:rPr>
-              <a:t>”</a:t>
+              <a:t>"</a:t>
             </a:r>
             <a:r>
               <a:rPr lang="it-IT" b="1" noProof="1">
@@ -19421,7 +19421,7 @@
                 <a:latin typeface="Consolas" pitchFamily="49" charset="0"/>
                 <a:cs typeface="Consolas" pitchFamily="49" charset="0"/>
               </a:rPr>
-              <a:t>Excellent!</a:t>
+              <a:t>Excellent!\n</a:t>
             </a:r>
             <a:r>
               <a:rPr lang="en-US" b="1" noProof="1">
@@ -19438,7 +19438,7 @@
                 <a:latin typeface="Consolas" pitchFamily="49" charset="0"/>
                 <a:cs typeface="Consolas" pitchFamily="49" charset="0"/>
               </a:rPr>
-              <a:t>”;</a:t>
+              <a:t>";</a:t>
             </a:r>
             <a:endParaRPr lang="en-US" b="1" noProof="1">
               <a:solidFill>
@@ -19620,7 +19620,7 @@
                 <a:latin typeface="Consolas" pitchFamily="49" charset="0"/>
                 <a:cs typeface="Consolas" pitchFamily="49" charset="0"/>
               </a:rPr>
-              <a:t>”</a:t>
+              <a:t>"</a:t>
             </a:r>
             <a:r>
               <a:rPr lang="it-IT" b="1" noProof="1">
@@ -19637,7 +19637,7 @@
                 <a:latin typeface="Consolas" pitchFamily="49" charset="0"/>
                 <a:cs typeface="Consolas" pitchFamily="49" charset="0"/>
               </a:rPr>
-              <a:t>Not excellent.</a:t>
+              <a:t>Not excellent.\n</a:t>
             </a:r>
             <a:r>
               <a:rPr lang="en-US" b="1" noProof="1">
@@ -19654,7 +19654,7 @@
                 <a:latin typeface="Consolas" pitchFamily="49" charset="0"/>
                 <a:cs typeface="Consolas" pitchFamily="49" charset="0"/>
               </a:rPr>
-              <a:t>”;</a:t>
+              <a:t>";</a:t>
             </a:r>
             <a:endParaRPr lang="en-US" b="1" noProof="1">
               <a:solidFill>
@@ -19877,8 +19877,8 @@
         </p:nvSpPr>
         <p:spPr bwMode="auto">
           <a:xfrm>
-            <a:off x="911224" y="2281923"/>
-            <a:ext cx="10363200" cy="4341317"/>
+            <a:off x="989012" y="2362200"/>
+            <a:ext cx="10363200" cy="4053417"/>
           </a:xfrm>
           <a:prstGeom prst="rect">
             <a:avLst/>
@@ -19932,38 +19932,7 @@
                 <a:latin typeface="Consolas" pitchFamily="49" charset="0"/>
                 <a:cs typeface="Consolas" pitchFamily="49" charset="0"/>
               </a:rPr>
-              <a:t>float grade;</a:t>
-            </a:r>
-          </a:p>
-          <a:p>
-            <a:pPr eaLnBrk="0" hangingPunct="0">
-              <a:lnSpc>
-                <a:spcPct val="110000"/>
-              </a:lnSpc>
-              <a:buClr>
-                <a:schemeClr val="accent5">
-                  <a:lumMod val="40000"/>
-                  <a:lumOff val="60000"/>
-                </a:schemeClr>
-              </a:buClr>
-              <a:buSzPct val="70000"/>
-            </a:pPr>
-            <a:r>
-              <a:rPr lang="it-IT" sz="1800" b="1" noProof="1">
-                <a:solidFill>
-                  <a:srgbClr val="FBEEDC"/>
-                </a:solidFill>
-                <a:effectLst>
-                  <a:outerShdw blurRad="38100" dist="38100" dir="2700000" algn="tl">
-                    <a:srgbClr val="000000">
-                      <a:alpha val="43137"/>
-                    </a:srgbClr>
-                  </a:outerShdw>
-                </a:effectLst>
-                <a:latin typeface="Consolas" pitchFamily="49" charset="0"/>
-                <a:cs typeface="Consolas" pitchFamily="49" charset="0"/>
-              </a:rPr>
-              <a:t>cin &gt;&gt; grade;</a:t>
+              <a:t>float grade; cin &gt;&gt; grade;</a:t>
             </a:r>
           </a:p>
           <a:p>
@@ -20150,7 +20119,7 @@
                 <a:latin typeface="Consolas" pitchFamily="49" charset="0"/>
                 <a:cs typeface="Consolas" pitchFamily="49" charset="0"/>
               </a:rPr>
-              <a:t>”</a:t>
+              <a:t>"</a:t>
             </a:r>
             <a:r>
               <a:rPr lang="it-IT" sz="1800" b="1" noProof="1">
@@ -20184,7 +20153,7 @@
                 <a:latin typeface="Consolas" pitchFamily="49" charset="0"/>
                 <a:cs typeface="Consolas" pitchFamily="49" charset="0"/>
               </a:rPr>
-              <a:t>”;</a:t>
+              <a:t>";</a:t>
             </a:r>
             <a:endParaRPr lang="en-US" sz="1800" b="1" noProof="1">
               <a:solidFill>
@@ -20366,7 +20335,7 @@
                 <a:latin typeface="Consolas" pitchFamily="49" charset="0"/>
                 <a:cs typeface="Consolas" pitchFamily="49" charset="0"/>
               </a:rPr>
-              <a:t>”</a:t>
+              <a:t>"</a:t>
             </a:r>
             <a:r>
               <a:rPr lang="it-IT" sz="1800" b="1" noProof="1">
@@ -20400,7 +20369,7 @@
                 <a:latin typeface="Consolas" pitchFamily="49" charset="0"/>
                 <a:cs typeface="Consolas" pitchFamily="49" charset="0"/>
               </a:rPr>
-              <a:t>”;</a:t>
+              <a:t>";</a:t>
             </a:r>
             <a:endParaRPr lang="en-US" sz="1800" b="1" noProof="1">
               <a:solidFill>
@@ -20582,7 +20551,7 @@
                 <a:latin typeface="Consolas" pitchFamily="49" charset="0"/>
                 <a:cs typeface="Consolas" pitchFamily="49" charset="0"/>
               </a:rPr>
-              <a:t>”</a:t>
+              <a:t>"</a:t>
             </a:r>
             <a:r>
               <a:rPr lang="it-IT" sz="1800" b="1" noProof="1">
@@ -20616,7 +20585,7 @@
                 <a:latin typeface="Consolas" pitchFamily="49" charset="0"/>
                 <a:cs typeface="Consolas" pitchFamily="49" charset="0"/>
               </a:rPr>
-              <a:t>”;</a:t>
+              <a:t>";</a:t>
             </a:r>
             <a:endParaRPr lang="en-US" sz="1800" b="1" noProof="1">
               <a:solidFill>
@@ -20998,7 +20967,7 @@
                 <a:latin typeface="Consolas" pitchFamily="49" charset="0"/>
                 <a:cs typeface="Consolas" pitchFamily="49" charset="0"/>
               </a:rPr>
-              <a:t>“</a:t>
+              <a:t>"</a:t>
             </a:r>
             <a:r>
               <a:rPr lang="it-IT" b="1" noProof="1">
@@ -21032,7 +21001,7 @@
                 <a:latin typeface="Consolas" pitchFamily="49" charset="0"/>
                 <a:cs typeface="Consolas" pitchFamily="49" charset="0"/>
               </a:rPr>
-              <a:t>“ </a:t>
+              <a:t>" </a:t>
             </a:r>
           </a:p>
           <a:p>
@@ -21158,7 +21127,7 @@
                 <a:latin typeface="Consolas" pitchFamily="49" charset="0"/>
                 <a:cs typeface="Consolas" pitchFamily="49" charset="0"/>
               </a:rPr>
-              <a:t>“</a:t>
+              <a:t>"</a:t>
             </a:r>
             <a:r>
               <a:rPr lang="it-IT" b="1" noProof="1">
@@ -21194,7 +21163,7 @@
                 <a:latin typeface="Consolas" pitchFamily="49" charset="0"/>
                 <a:cs typeface="Consolas" pitchFamily="49" charset="0"/>
               </a:rPr>
-              <a:t>“</a:t>
+              <a:t>"</a:t>
             </a:r>
             <a:r>
               <a:rPr lang="en-US" b="1" noProof="1">
@@ -21294,7 +21263,7 @@
                 <a:latin typeface="Consolas" pitchFamily="49" charset="0"/>
                 <a:cs typeface="Consolas" pitchFamily="49" charset="0"/>
               </a:rPr>
-              <a:t>“tomato\n“</a:t>
+              <a:t>"tomato\n"</a:t>
             </a:r>
             <a:r>
               <a:rPr lang="it-IT" b="1" noProof="1">
@@ -21451,7 +21420,7 @@
                 <a:latin typeface="Consolas" pitchFamily="49" charset="0"/>
                 <a:cs typeface="Consolas" pitchFamily="49" charset="0"/>
               </a:rPr>
-              <a:t>“</a:t>
+              <a:t>"</a:t>
             </a:r>
             <a:r>
               <a:rPr lang="it-IT" b="1" noProof="1">
@@ -21487,7 +21456,7 @@
                 <a:latin typeface="Consolas" pitchFamily="49" charset="0"/>
                 <a:cs typeface="Consolas" pitchFamily="49" charset="0"/>
               </a:rPr>
-              <a:t>“</a:t>
+              <a:t>"</a:t>
             </a:r>
             <a:r>
               <a:rPr lang="en-US" b="1" noProof="1">
@@ -21587,7 +21556,7 @@
                 <a:latin typeface="Consolas" pitchFamily="49" charset="0"/>
                 <a:cs typeface="Consolas" pitchFamily="49" charset="0"/>
               </a:rPr>
-              <a:t>“banana\n“</a:t>
+              <a:t>"banana\n"</a:t>
             </a:r>
             <a:r>
               <a:rPr lang="it-IT" b="1" noProof="1">
@@ -21668,7 +21637,7 @@
                 <a:latin typeface="Consolas" pitchFamily="49" charset="0"/>
                 <a:cs typeface="Consolas" pitchFamily="49" charset="0"/>
               </a:rPr>
-              <a:t>“bye\n“</a:t>
+              <a:t>"bye\n"</a:t>
             </a:r>
             <a:r>
               <a:rPr lang="it-IT" b="1" noProof="1">
@@ -21930,7 +21899,7 @@
                 <a:latin typeface="Consolas" pitchFamily="49" charset="0"/>
                 <a:cs typeface="Consolas" pitchFamily="49" charset="0"/>
               </a:rPr>
-              <a:t>“</a:t>
+              <a:t>"</a:t>
             </a:r>
             <a:r>
               <a:rPr lang="it-IT" sz="2000" b="1" noProof="1">
@@ -21964,7 +21933,7 @@
                 <a:latin typeface="Consolas" pitchFamily="49" charset="0"/>
                 <a:cs typeface="Consolas" pitchFamily="49" charset="0"/>
               </a:rPr>
-              <a:t>“ </a:t>
+              <a:t>" </a:t>
             </a:r>
           </a:p>
           <a:p>
@@ -22090,7 +22059,7 @@
                 <a:latin typeface="Consolas" pitchFamily="49" charset="0"/>
                 <a:cs typeface="Consolas" pitchFamily="49" charset="0"/>
               </a:rPr>
-              <a:t>“</a:t>
+              <a:t>"</a:t>
             </a:r>
             <a:r>
               <a:rPr lang="it-IT" sz="2000" b="1" noProof="1">
@@ -22126,7 +22095,7 @@
                 <a:latin typeface="Consolas" pitchFamily="49" charset="0"/>
                 <a:cs typeface="Consolas" pitchFamily="49" charset="0"/>
               </a:rPr>
-              <a:t>“</a:t>
+              <a:t>"</a:t>
             </a:r>
             <a:r>
               <a:rPr lang="en-US" sz="2000" b="1" noProof="1">
@@ -22259,7 +22228,7 @@
                 <a:latin typeface="Consolas" pitchFamily="49" charset="0"/>
                 <a:cs typeface="Consolas" pitchFamily="49" charset="0"/>
               </a:rPr>
-              <a:t>“tomato\n“</a:t>
+              <a:t>"tomato\n"</a:t>
             </a:r>
             <a:r>
               <a:rPr lang="it-IT" sz="2000" b="1" noProof="1">
@@ -22449,7 +22418,7 @@
                 <a:latin typeface="Consolas" pitchFamily="49" charset="0"/>
                 <a:cs typeface="Consolas" pitchFamily="49" charset="0"/>
               </a:rPr>
-              <a:t>“</a:t>
+              <a:t>"</a:t>
             </a:r>
             <a:r>
               <a:rPr lang="it-IT" sz="2000" b="1" noProof="1">
@@ -22485,7 +22454,7 @@
                 <a:latin typeface="Consolas" pitchFamily="49" charset="0"/>
                 <a:cs typeface="Consolas" pitchFamily="49" charset="0"/>
               </a:rPr>
-              <a:t>“</a:t>
+              <a:t>"</a:t>
             </a:r>
             <a:r>
               <a:rPr lang="en-US" sz="2000" b="1" noProof="1">
@@ -22604,7 +22573,7 @@
                 <a:latin typeface="Consolas" pitchFamily="49" charset="0"/>
                 <a:cs typeface="Consolas" pitchFamily="49" charset="0"/>
               </a:rPr>
-              <a:t>“banana\n“</a:t>
+              <a:t>"banana\n"</a:t>
             </a:r>
             <a:r>
               <a:rPr lang="it-IT" sz="2000" b="1" noProof="1">
@@ -22716,7 +22685,7 @@
                 <a:latin typeface="Consolas" pitchFamily="49" charset="0"/>
                 <a:cs typeface="Consolas" pitchFamily="49" charset="0"/>
               </a:rPr>
-              <a:t>“bye\n“</a:t>
+              <a:t>"bye\n"</a:t>
             </a:r>
             <a:r>
               <a:rPr lang="it-IT" sz="2000" b="1" noProof="1">
@@ -23220,7 +23189,7 @@
                 <a:latin typeface="Consolas" pitchFamily="49" charset="0"/>
                 <a:cs typeface="Consolas" pitchFamily="49" charset="0"/>
               </a:rPr>
-              <a:t>”</a:t>
+              <a:t>"</a:t>
             </a:r>
             <a:r>
               <a:rPr lang="it-IT" sz="2800" b="1" noProof="1">
@@ -23254,7 +23223,7 @@
                 <a:latin typeface="Consolas" pitchFamily="49" charset="0"/>
                 <a:cs typeface="Consolas" pitchFamily="49" charset="0"/>
               </a:rPr>
-              <a:t>”</a:t>
+              <a:t>"</a:t>
             </a:r>
             <a:r>
               <a:rPr lang="it-IT" sz="2800" b="1" noProof="1">
@@ -23374,7 +23343,7 @@
                 <a:latin typeface="Consolas" pitchFamily="49" charset="0"/>
                 <a:cs typeface="Consolas" pitchFamily="49" charset="0"/>
               </a:rPr>
-              <a:t>”</a:t>
+              <a:t>"</a:t>
             </a:r>
             <a:r>
               <a:rPr lang="it-IT" sz="2800" b="1" noProof="1">
@@ -23408,7 +23377,7 @@
                 <a:latin typeface="Consolas" pitchFamily="49" charset="0"/>
                 <a:cs typeface="Consolas" pitchFamily="49" charset="0"/>
               </a:rPr>
-              <a:t>”</a:t>
+              <a:t>"</a:t>
             </a:r>
             <a:r>
               <a:rPr lang="it-IT" sz="2800" b="1" noProof="1">

--- a/3. Simple-Conditions/3. Simple-Conditions.pptx
+++ b/3. Simple-Conditions/3. Simple-Conditions.pptx
@@ -135,7 +135,7 @@
   </p:defaultTextStyle>
   <p:extLst>
     <p:ext uri="{EFAFB233-063F-42B5-8137-9DF3F51BA10A}">
-      <p15:sldGuideLst xmlns:p15="http://schemas.microsoft.com/office/powerpoint/2012/main">
+      <p15:sldGuideLst xmlns:p15="http://schemas.microsoft.com/office/powerpoint/2012/main" xmlns="">
         <p15:guide id="1" orient="horz" pos="2160" userDrawn="1">
           <p15:clr>
             <a:srgbClr val="A4A3A4"/>
@@ -149,7 +149,7 @@
       </p15:sldGuideLst>
     </p:ext>
     <p:ext uri="{2D200454-40CA-4A62-9FC3-DE9A4176ACB9}">
-      <p15:notesGuideLst xmlns:p15="http://schemas.microsoft.com/office/powerpoint/2012/main">
+      <p15:notesGuideLst xmlns:p15="http://schemas.microsoft.com/office/powerpoint/2012/main" xmlns="">
         <p15:guide id="1" orient="horz" pos="2880">
           <p15:clr>
             <a:srgbClr val="A4A3A4"/>
@@ -249,7 +249,7 @@
             <a:fld id="{FE5B4EDC-59C0-49C7-8ADA-5A781B329E02}" type="datetimeFigureOut">
               <a:rPr lang="en-US"/>
               <a:pPr/>
-              <a:t>3/27/2017</a:t>
+              <a:t>5/17/2017</a:t>
             </a:fld>
             <a:endParaRPr dirty="0"/>
           </a:p>
@@ -448,7 +448,7 @@
             <a:fld id="{F2D8D46A-B586-417D-BFBD-8C8FE0AAF762}" type="datetimeFigureOut">
               <a:rPr lang="en-US" smtClean="0"/>
               <a:pPr/>
-              <a:t>3/27/2017</a:t>
+              <a:t>5/17/2017</a:t>
             </a:fld>
             <a:endParaRPr lang="en-US"/>
           </a:p>
@@ -2176,7 +2176,7 @@
             <a:fld id="{055373AC-9AA7-423B-BA00-BA1C74164DBD}" type="datetime1">
               <a:rPr lang="en-US" smtClean="0"/>
               <a:pPr/>
-              <a:t>3/27/2017</a:t>
+              <a:t>5/17/2017</a:t>
             </a:fld>
             <a:endParaRPr lang="en-US" dirty="0"/>
           </a:p>
@@ -3277,7 +3277,7 @@
                 </a:solidFill>
               </a:rPr>
               <a:pPr/>
-              <a:t>3/27/2017</a:t>
+              <a:t>5/17/2017</a:t>
             </a:fld>
             <a:endParaRPr lang="en-US" dirty="0">
               <a:solidFill>
@@ -4453,7 +4453,7 @@
             <a:fld id="{055373AC-9AA7-423B-BA00-BA1C74164DBD}" type="datetime1">
               <a:rPr lang="en-US" smtClean="0"/>
               <a:pPr/>
-              <a:t>3/27/2017</a:t>
+              <a:t>5/17/2017</a:t>
             </a:fld>
             <a:endParaRPr lang="en-US" dirty="0"/>
           </a:p>
@@ -4981,7 +4981,7 @@
   </p:txStyles>
   <p:extLst mod="1">
     <p:ext uri="{27BBF7A9-308A-43DC-89C8-2F10F3537804}">
-      <p15:sldGuideLst xmlns:p15="http://schemas.microsoft.com/office/powerpoint/2012/main">
+      <p15:sldGuideLst xmlns:p15="http://schemas.microsoft.com/office/powerpoint/2012/main" xmlns="">
         <p15:guide id="1" orient="horz" pos="2160" userDrawn="1">
           <p15:clr>
             <a:srgbClr val="F26B43"/>
@@ -5071,7 +5071,7 @@
                 </a:solidFill>
               </a:rPr>
               <a:pPr/>
-              <a:t>3/27/2017</a:t>
+              <a:t>5/17/2017</a:t>
             </a:fld>
             <a:endParaRPr lang="en-US" dirty="0">
               <a:solidFill>
@@ -5624,7 +5624,7 @@
   </p:txStyles>
   <p:extLst mod="1">
     <p:ext uri="{27BBF7A9-308A-43DC-89C8-2F10F3537804}">
-      <p15:sldGuideLst xmlns:p15="http://schemas.microsoft.com/office/powerpoint/2012/main">
+      <p15:sldGuideLst xmlns:p15="http://schemas.microsoft.com/office/powerpoint/2012/main" xmlns="">
         <p15:guide id="1" orient="horz" pos="2160" userDrawn="1">
           <p15:clr>
             <a:srgbClr val="F26B43"/>
@@ -6649,7 +6649,17 @@
               <a:rPr lang="en-US" dirty="0">
                 <a:hlinkClick r:id="rId2"/>
               </a:rPr>
-              <a:t>https://judge.softuni.bg/Contests/Practice/Index/152#3</a:t>
+              <a:t>https://</a:t>
+            </a:r>
+            <a:r>
+              <a:rPr lang="en-US" dirty="0" smtClean="0">
+                <a:hlinkClick r:id="rId2"/>
+              </a:rPr>
+              <a:t>judge.softuni.bg/Contests/Practice/Index/530#9</a:t>
+            </a:r>
+            <a:r>
+              <a:rPr lang="en-US" dirty="0" smtClean="0"/>
+              <a:t> </a:t>
             </a:r>
             <a:endParaRPr lang="en-US" dirty="0"/>
           </a:p>
@@ -7323,7 +7333,24 @@
                 </a:solidFill>
                 <a:hlinkClick r:id="rId2"/>
               </a:rPr>
-              <a:t>https://judge.softuni.bg/Contests/Practice/Index/152#4</a:t>
+              <a:t>https://</a:t>
+            </a:r>
+            <a:r>
+              <a:rPr lang="en-US" dirty="0" smtClean="0">
+                <a:solidFill>
+                  <a:prstClr val="white"/>
+                </a:solidFill>
+                <a:hlinkClick r:id="rId2"/>
+              </a:rPr>
+              <a:t>judge.softuni.bg/Contests/Practice/Index/530#4</a:t>
+            </a:r>
+            <a:r>
+              <a:rPr lang="en-US" dirty="0" smtClean="0">
+                <a:solidFill>
+                  <a:prstClr val="white"/>
+                </a:solidFill>
+              </a:rPr>
+              <a:t> </a:t>
             </a:r>
             <a:endParaRPr lang="en-US" dirty="0">
               <a:solidFill>
@@ -8261,7 +8288,17 @@
               <a:rPr lang="en-US" dirty="0">
                 <a:hlinkClick r:id="rId2"/>
               </a:rPr>
-              <a:t>https://judge.softuni.bg/Contests/Practice/Index/152#5</a:t>
+              <a:t>https://</a:t>
+            </a:r>
+            <a:r>
+              <a:rPr lang="en-US" dirty="0" smtClean="0">
+                <a:hlinkClick r:id="rId2"/>
+              </a:rPr>
+              <a:t>judge.softuni.bg/Contests/Practice/Index/520#0</a:t>
+            </a:r>
+            <a:r>
+              <a:rPr lang="en-US" dirty="0" smtClean="0"/>
+              <a:t> </a:t>
             </a:r>
             <a:endParaRPr lang="en-US" dirty="0"/>
           </a:p>
@@ -10925,7 +10962,24 @@
                 </a:solidFill>
                 <a:hlinkClick r:id="rId2"/>
               </a:rPr>
-              <a:t>https://judge.softuni.bg/Contests/Practice/Index/152#6</a:t>
+              <a:t>https://</a:t>
+            </a:r>
+            <a:r>
+              <a:rPr lang="en-US" dirty="0" smtClean="0">
+                <a:solidFill>
+                  <a:prstClr val="white"/>
+                </a:solidFill>
+                <a:hlinkClick r:id="rId2"/>
+              </a:rPr>
+              <a:t>judge.softuni.bg/Contests/Practice/Index/530#13</a:t>
+            </a:r>
+            <a:r>
+              <a:rPr lang="en-US" dirty="0" smtClean="0">
+                <a:solidFill>
+                  <a:prstClr val="white"/>
+                </a:solidFill>
+              </a:rPr>
+              <a:t> </a:t>
             </a:r>
             <a:endParaRPr lang="en-US" dirty="0">
               <a:solidFill>
@@ -11108,14 +11162,14 @@
                 <a:gridCol w="2410587">
                   <a:extLst>
                     <a:ext uri="{9D8B030D-6E8A-4147-A177-3AD203B41FA5}">
-                      <a16:colId xmlns:a16="http://schemas.microsoft.com/office/drawing/2014/main" val="20000"/>
+                      <a16:colId xmlns:a16="http://schemas.microsoft.com/office/drawing/2014/main" xmlns="" val="20000"/>
                     </a:ext>
                   </a:extLst>
                 </a:gridCol>
                 <a:gridCol w="3616643">
                   <a:extLst>
                     <a:ext uri="{9D8B030D-6E8A-4147-A177-3AD203B41FA5}">
-                      <a16:colId xmlns:a16="http://schemas.microsoft.com/office/drawing/2014/main" val="20001"/>
+                      <a16:colId xmlns:a16="http://schemas.microsoft.com/office/drawing/2014/main" xmlns="" val="20001"/>
                     </a:ext>
                   </a:extLst>
                 </a:gridCol>
@@ -11235,7 +11289,7 @@
                 </a:tc>
                 <a:extLst>
                   <a:ext uri="{0D108BD9-81ED-4DB2-BD59-A6C34878D82A}">
-                    <a16:rowId xmlns:a16="http://schemas.microsoft.com/office/drawing/2014/main" val="10000"/>
+                    <a16:rowId xmlns:a16="http://schemas.microsoft.com/office/drawing/2014/main" xmlns="" val="10000"/>
                   </a:ext>
                 </a:extLst>
               </a:tr>
@@ -11293,7 +11347,7 @@
                 </a:tc>
                 <a:extLst>
                   <a:ext uri="{0D108BD9-81ED-4DB2-BD59-A6C34878D82A}">
-                    <a16:rowId xmlns:a16="http://schemas.microsoft.com/office/drawing/2014/main" val="10001"/>
+                    <a16:rowId xmlns:a16="http://schemas.microsoft.com/office/drawing/2014/main" xmlns="" val="10001"/>
                   </a:ext>
                 </a:extLst>
               </a:tr>
@@ -11367,7 +11421,7 @@
                 </a:tc>
                 <a:extLst>
                   <a:ext uri="{0D108BD9-81ED-4DB2-BD59-A6C34878D82A}">
-                    <a16:rowId xmlns:a16="http://schemas.microsoft.com/office/drawing/2014/main" val="10002"/>
+                    <a16:rowId xmlns:a16="http://schemas.microsoft.com/office/drawing/2014/main" xmlns="" val="10002"/>
                   </a:ext>
                 </a:extLst>
               </a:tr>
@@ -11425,7 +11479,7 @@
                 </a:tc>
                 <a:extLst>
                   <a:ext uri="{0D108BD9-81ED-4DB2-BD59-A6C34878D82A}">
-                    <a16:rowId xmlns:a16="http://schemas.microsoft.com/office/drawing/2014/main" val="10003"/>
+                    <a16:rowId xmlns:a16="http://schemas.microsoft.com/office/drawing/2014/main" xmlns="" val="10003"/>
                   </a:ext>
                 </a:extLst>
               </a:tr>
@@ -11499,7 +11553,7 @@
                 </a:tc>
                 <a:extLst>
                   <a:ext uri="{0D108BD9-81ED-4DB2-BD59-A6C34878D82A}">
-                    <a16:rowId xmlns:a16="http://schemas.microsoft.com/office/drawing/2014/main" val="10004"/>
+                    <a16:rowId xmlns:a16="http://schemas.microsoft.com/office/drawing/2014/main" xmlns="" val="10004"/>
                   </a:ext>
                 </a:extLst>
               </a:tr>
@@ -11557,7 +11611,7 @@
                 </a:tc>
                 <a:extLst>
                   <a:ext uri="{0D108BD9-81ED-4DB2-BD59-A6C34878D82A}">
-                    <a16:rowId xmlns:a16="http://schemas.microsoft.com/office/drawing/2014/main" val="10005"/>
+                    <a16:rowId xmlns:a16="http://schemas.microsoft.com/office/drawing/2014/main" xmlns="" val="10005"/>
                   </a:ext>
                 </a:extLst>
               </a:tr>
@@ -11647,7 +11701,7 @@
                 </a:tc>
                 <a:extLst>
                   <a:ext uri="{0D108BD9-81ED-4DB2-BD59-A6C34878D82A}">
-                    <a16:rowId xmlns:a16="http://schemas.microsoft.com/office/drawing/2014/main" val="10006"/>
+                    <a16:rowId xmlns:a16="http://schemas.microsoft.com/office/drawing/2014/main" xmlns="" val="10006"/>
                   </a:ext>
                 </a:extLst>
               </a:tr>
@@ -11747,7 +11801,7 @@
                 </a:tc>
                 <a:extLst>
                   <a:ext uri="{0D108BD9-81ED-4DB2-BD59-A6C34878D82A}">
-                    <a16:rowId xmlns:a16="http://schemas.microsoft.com/office/drawing/2014/main" val="10007"/>
+                    <a16:rowId xmlns:a16="http://schemas.microsoft.com/office/drawing/2014/main" xmlns="" val="10007"/>
                   </a:ext>
                 </a:extLst>
               </a:tr>
@@ -12617,7 +12671,17 @@
               <a:rPr lang="en-US" dirty="0">
                 <a:hlinkClick r:id="rId2"/>
               </a:rPr>
-              <a:t>https://judge.softuni.bg/Contests/Practice/Index/152#7</a:t>
+              <a:t>https://</a:t>
+            </a:r>
+            <a:r>
+              <a:rPr lang="en-US" dirty="0" smtClean="0">
+                <a:hlinkClick r:id="rId2"/>
+              </a:rPr>
+              <a:t>judge.softuni.bg/Contests/Practice/Index/530#7</a:t>
+            </a:r>
+            <a:r>
+              <a:rPr lang="en-US" dirty="0" smtClean="0"/>
+              <a:t> </a:t>
             </a:r>
             <a:endParaRPr lang="en-US" dirty="0"/>
           </a:p>
@@ -16504,14 +16568,14 @@
                 <a:gridCol w="6638959">
                   <a:extLst>
                     <a:ext uri="{9D8B030D-6E8A-4147-A177-3AD203B41FA5}">
-                      <a16:colId xmlns:a16="http://schemas.microsoft.com/office/drawing/2014/main" val="20000"/>
+                      <a16:colId xmlns:a16="http://schemas.microsoft.com/office/drawing/2014/main" xmlns="" val="20000"/>
                     </a:ext>
                   </a:extLst>
                 </a:gridCol>
                 <a:gridCol w="3713015">
                   <a:extLst>
                     <a:ext uri="{9D8B030D-6E8A-4147-A177-3AD203B41FA5}">
-                      <a16:colId xmlns:a16="http://schemas.microsoft.com/office/drawing/2014/main" val="20001"/>
+                      <a16:colId xmlns:a16="http://schemas.microsoft.com/office/drawing/2014/main" xmlns="" val="20001"/>
                     </a:ext>
                   </a:extLst>
                 </a:gridCol>
@@ -16775,7 +16839,7 @@
                 </a:tc>
                 <a:extLst>
                   <a:ext uri="{0D108BD9-81ED-4DB2-BD59-A6C34878D82A}">
-                    <a16:rowId xmlns:a16="http://schemas.microsoft.com/office/drawing/2014/main" val="10000"/>
+                    <a16:rowId xmlns:a16="http://schemas.microsoft.com/office/drawing/2014/main" xmlns="" val="10000"/>
                   </a:ext>
                 </a:extLst>
               </a:tr>
@@ -17035,7 +17099,7 @@
                 </a:tc>
                 <a:extLst>
                   <a:ext uri="{0D108BD9-81ED-4DB2-BD59-A6C34878D82A}">
-                    <a16:rowId xmlns:a16="http://schemas.microsoft.com/office/drawing/2014/main" val="10001"/>
+                    <a16:rowId xmlns:a16="http://schemas.microsoft.com/office/drawing/2014/main" xmlns="" val="10001"/>
                   </a:ext>
                 </a:extLst>
               </a:tr>
@@ -17275,7 +17339,7 @@
                 </a:tc>
                 <a:extLst>
                   <a:ext uri="{0D108BD9-81ED-4DB2-BD59-A6C34878D82A}">
-                    <a16:rowId xmlns:a16="http://schemas.microsoft.com/office/drawing/2014/main" val="10002"/>
+                    <a16:rowId xmlns:a16="http://schemas.microsoft.com/office/drawing/2014/main" xmlns="" val="10002"/>
                   </a:ext>
                 </a:extLst>
               </a:tr>
@@ -17515,7 +17579,7 @@
                 </a:tc>
                 <a:extLst>
                   <a:ext uri="{0D108BD9-81ED-4DB2-BD59-A6C34878D82A}">
-                    <a16:rowId xmlns:a16="http://schemas.microsoft.com/office/drawing/2014/main" val="10003"/>
+                    <a16:rowId xmlns:a16="http://schemas.microsoft.com/office/drawing/2014/main" xmlns="" val="10003"/>
                   </a:ext>
                 </a:extLst>
               </a:tr>
@@ -17755,7 +17819,7 @@
                 </a:tc>
                 <a:extLst>
                   <a:ext uri="{0D108BD9-81ED-4DB2-BD59-A6C34878D82A}">
-                    <a16:rowId xmlns:a16="http://schemas.microsoft.com/office/drawing/2014/main" val="10004"/>
+                    <a16:rowId xmlns:a16="http://schemas.microsoft.com/office/drawing/2014/main" xmlns="" val="10004"/>
                   </a:ext>
                 </a:extLst>
               </a:tr>
@@ -17995,7 +18059,7 @@
                 </a:tc>
                 <a:extLst>
                   <a:ext uri="{0D108BD9-81ED-4DB2-BD59-A6C34878D82A}">
-                    <a16:rowId xmlns:a16="http://schemas.microsoft.com/office/drawing/2014/main" val="10005"/>
+                    <a16:rowId xmlns:a16="http://schemas.microsoft.com/office/drawing/2014/main" xmlns="" val="10005"/>
                   </a:ext>
                 </a:extLst>
               </a:tr>
@@ -18268,7 +18332,7 @@
                 </a:tc>
                 <a:extLst>
                   <a:ext uri="{0D108BD9-81ED-4DB2-BD59-A6C34878D82A}">
-                    <a16:rowId xmlns:a16="http://schemas.microsoft.com/office/drawing/2014/main" val="10006"/>
+                    <a16:rowId xmlns:a16="http://schemas.microsoft.com/office/drawing/2014/main" xmlns="" val="10006"/>
                   </a:ext>
                 </a:extLst>
               </a:tr>
@@ -18544,20 +18608,16 @@
             <a:endParaRPr lang="en-US" sz="3200" dirty="0"/>
           </a:p>
           <a:p>
-            <a:pPr lvl="1"/>
-            <a:r>
-              <a:rPr lang="bg-BG" sz="3000" dirty="0"/>
+            <a:pPr lvl="2"/>
+            <a:r>
+              <a:rPr lang="bg-BG" sz="2800" dirty="0"/>
               <a:t>Пример: въвеждаме оценка и проверяваме дали е отлична (</a:t>
             </a:r>
             <a:r>
-              <a:rPr lang="en-US" sz="3000"/>
-              <a:t>≥ </a:t>
-            </a:r>
-            <a:r>
-              <a:rPr lang="en-US" sz="3000" dirty="0"/>
-              <a:t>5.50)</a:t>
-            </a:r>
-            <a:endParaRPr lang="bg-BG" sz="3000" dirty="0"/>
+              <a:rPr lang="en-US" sz="2800" dirty="0"/>
+              <a:t>≥ 5.50)</a:t>
+            </a:r>
+            <a:endParaRPr lang="bg-BG" sz="2800" dirty="0"/>
           </a:p>
           <a:p>
             <a:pPr lvl="1"/>
@@ -18986,7 +19046,17 @@
               <a:rPr lang="en-US" dirty="0">
                 <a:hlinkClick r:id="rId2"/>
               </a:rPr>
-              <a:t>https://judge.softuni.bg/Contests/Practice/Index/152#0</a:t>
+              <a:t>https://</a:t>
+            </a:r>
+            <a:r>
+              <a:rPr lang="en-US" dirty="0" smtClean="0">
+                <a:hlinkClick r:id="rId2"/>
+              </a:rPr>
+              <a:t>judge.softuni.bg/Contests/Practice/Index/530#12</a:t>
+            </a:r>
+            <a:r>
+              <a:rPr lang="en-US" dirty="0" smtClean="0"/>
+              <a:t> </a:t>
             </a:r>
             <a:endParaRPr lang="en-US" dirty="0"/>
           </a:p>
@@ -19741,7 +19811,23 @@
               <a:rPr lang="en-US" dirty="0">
                 <a:hlinkClick r:id="rId2"/>
               </a:rPr>
-              <a:t>https://judge.softuni.bg/Contests/Practice/Index/152#1</a:t>
+              <a:t>https://</a:t>
+            </a:r>
+            <a:r>
+              <a:rPr lang="en-US" dirty="0" smtClean="0">
+                <a:hlinkClick r:id="rId2"/>
+              </a:rPr>
+              <a:t>judge.softuni.bg/Contests/Practice/Index/530#1</a:t>
+            </a:r>
+            <a:r>
+              <a:rPr lang="en-US" dirty="0" smtClean="0">
+                <a:hlinkClick r:id="rId2"/>
+              </a:rPr>
+              <a:t>0</a:t>
+            </a:r>
+            <a:r>
+              <a:rPr lang="en-US" dirty="0" smtClean="0"/>
+              <a:t> </a:t>
             </a:r>
             <a:endParaRPr lang="en-US" dirty="0"/>
           </a:p>
@@ -23446,13 +23532,17 @@
               <a:rPr lang="en-US" dirty="0">
                 <a:hlinkClick r:id="rId2"/>
               </a:rPr>
-              <a:t>https://judge.softuni.bg/Contests/Practice/Index/152#</a:t>
-            </a:r>
-            <a:r>
-              <a:rPr lang="bg-BG" dirty="0">
+              <a:t>https://</a:t>
+            </a:r>
+            <a:r>
+              <a:rPr lang="en-US" dirty="0" smtClean="0">
                 <a:hlinkClick r:id="rId2"/>
               </a:rPr>
-              <a:t>2</a:t>
+              <a:t>judge.softuni.bg/Contests/Practice/Index/530#14</a:t>
+            </a:r>
+            <a:r>
+              <a:rPr lang="en-US" dirty="0" smtClean="0"/>
+              <a:t> </a:t>
             </a:r>
             <a:endParaRPr lang="en-US" dirty="0"/>
           </a:p>

--- a/3. Simple-Conditions/3. Simple-Conditions.pptx
+++ b/3. Simple-Conditions/3. Simple-Conditions.pptx
@@ -135,7 +135,7 @@
   </p:defaultTextStyle>
   <p:extLst>
     <p:ext uri="{EFAFB233-063F-42B5-8137-9DF3F51BA10A}">
-      <p15:sldGuideLst xmlns:p15="http://schemas.microsoft.com/office/powerpoint/2012/main" xmlns="">
+      <p15:sldGuideLst xmlns="" xmlns:p15="http://schemas.microsoft.com/office/powerpoint/2012/main">
         <p15:guide id="1" orient="horz" pos="2160" userDrawn="1">
           <p15:clr>
             <a:srgbClr val="A4A3A4"/>
@@ -149,7 +149,7 @@
       </p15:sldGuideLst>
     </p:ext>
     <p:ext uri="{2D200454-40CA-4A62-9FC3-DE9A4176ACB9}">
-      <p15:notesGuideLst xmlns:p15="http://schemas.microsoft.com/office/powerpoint/2012/main" xmlns="">
+      <p15:notesGuideLst xmlns="" xmlns:p15="http://schemas.microsoft.com/office/powerpoint/2012/main">
         <p15:guide id="1" orient="horz" pos="2880">
           <p15:clr>
             <a:srgbClr val="A4A3A4"/>
@@ -249,7 +249,7 @@
             <a:fld id="{FE5B4EDC-59C0-49C7-8ADA-5A781B329E02}" type="datetimeFigureOut">
               <a:rPr lang="en-US"/>
               <a:pPr/>
-              <a:t>5/17/2017</a:t>
+              <a:t>5/31/2017</a:t>
             </a:fld>
             <a:endParaRPr dirty="0"/>
           </a:p>
@@ -448,7 +448,7 @@
             <a:fld id="{F2D8D46A-B586-417D-BFBD-8C8FE0AAF762}" type="datetimeFigureOut">
               <a:rPr lang="en-US" smtClean="0"/>
               <a:pPr/>
-              <a:t>5/17/2017</a:t>
+              <a:t>5/31/2017</a:t>
             </a:fld>
             <a:endParaRPr lang="en-US"/>
           </a:p>
@@ -2176,7 +2176,7 @@
             <a:fld id="{055373AC-9AA7-423B-BA00-BA1C74164DBD}" type="datetime1">
               <a:rPr lang="en-US" smtClean="0"/>
               <a:pPr/>
-              <a:t>5/17/2017</a:t>
+              <a:t>5/31/2017</a:t>
             </a:fld>
             <a:endParaRPr lang="en-US" dirty="0"/>
           </a:p>
@@ -3277,7 +3277,7 @@
                 </a:solidFill>
               </a:rPr>
               <a:pPr/>
-              <a:t>5/17/2017</a:t>
+              <a:t>5/31/2017</a:t>
             </a:fld>
             <a:endParaRPr lang="en-US" dirty="0">
               <a:solidFill>
@@ -4453,7 +4453,7 @@
             <a:fld id="{055373AC-9AA7-423B-BA00-BA1C74164DBD}" type="datetime1">
               <a:rPr lang="en-US" smtClean="0"/>
               <a:pPr/>
-              <a:t>5/17/2017</a:t>
+              <a:t>5/31/2017</a:t>
             </a:fld>
             <a:endParaRPr lang="en-US" dirty="0"/>
           </a:p>
@@ -4981,7 +4981,7 @@
   </p:txStyles>
   <p:extLst mod="1">
     <p:ext uri="{27BBF7A9-308A-43DC-89C8-2F10F3537804}">
-      <p15:sldGuideLst xmlns:p15="http://schemas.microsoft.com/office/powerpoint/2012/main" xmlns="">
+      <p15:sldGuideLst xmlns="" xmlns:p15="http://schemas.microsoft.com/office/powerpoint/2012/main">
         <p15:guide id="1" orient="horz" pos="2160" userDrawn="1">
           <p15:clr>
             <a:srgbClr val="F26B43"/>
@@ -5071,7 +5071,7 @@
                 </a:solidFill>
               </a:rPr>
               <a:pPr/>
-              <a:t>5/17/2017</a:t>
+              <a:t>5/31/2017</a:t>
             </a:fld>
             <a:endParaRPr lang="en-US" dirty="0">
               <a:solidFill>
@@ -5624,7 +5624,7 @@
   </p:txStyles>
   <p:extLst mod="1">
     <p:ext uri="{27BBF7A9-308A-43DC-89C8-2F10F3537804}">
-      <p15:sldGuideLst xmlns:p15="http://schemas.microsoft.com/office/powerpoint/2012/main" xmlns="">
+      <p15:sldGuideLst xmlns="" xmlns:p15="http://schemas.microsoft.com/office/powerpoint/2012/main">
         <p15:guide id="1" orient="horz" pos="2160" userDrawn="1">
           <p15:clr>
             <a:srgbClr val="F26B43"/>
@@ -6695,6 +6695,60 @@
           <a:chExt cx="0" cy="0"/>
         </a:xfrm>
       </p:grpSpPr>
+      <p:pic>
+        <p:nvPicPr>
+          <p:cNvPr id="1027" name="Picture 3"/>
+          <p:cNvPicPr>
+            <a:picLocks noChangeAspect="1" noChangeArrowheads="1"/>
+          </p:cNvPicPr>
+          <p:nvPr/>
+        </p:nvPicPr>
+        <p:blipFill>
+          <a:blip r:embed="rId2">
+            <a:extLst>
+              <a:ext uri="{28A0092B-C50C-407E-A947-70E740481C1C}">
+                <a14:useLocalDpi xmlns:a14="http://schemas.microsoft.com/office/drawing/2010/main" val="0"/>
+              </a:ext>
+            </a:extLst>
+          </a:blip>
+          <a:srcRect/>
+          <a:stretch>
+            <a:fillRect/>
+          </a:stretch>
+        </p:blipFill>
+        <p:spPr bwMode="auto">
+          <a:xfrm>
+            <a:off x="5302953" y="1219200"/>
+            <a:ext cx="5973059" cy="2609850"/>
+          </a:xfrm>
+          <a:prstGeom prst="rect">
+            <a:avLst/>
+          </a:prstGeom>
+          <a:noFill/>
+          <a:ln>
+            <a:noFill/>
+          </a:ln>
+          <a:extLst>
+            <a:ext uri="{909E8E84-426E-40DD-AFC4-6F175D3DCCD1}">
+              <a14:hiddenFill xmlns:a14="http://schemas.microsoft.com/office/drawing/2010/main">
+                <a:solidFill>
+                  <a:schemeClr val="accent1"/>
+                </a:solidFill>
+              </a14:hiddenFill>
+            </a:ext>
+            <a:ext uri="{91240B29-F687-4F45-9708-019B960494DF}">
+              <a14:hiddenLine xmlns:a14="http://schemas.microsoft.com/office/drawing/2010/main" w="9525">
+                <a:solidFill>
+                  <a:schemeClr val="tx1"/>
+                </a:solidFill>
+                <a:miter lim="800000"/>
+                <a:headEnd/>
+                <a:tailEnd/>
+              </a14:hiddenLine>
+            </a:ext>
+          </a:extLst>
+        </p:spPr>
+      </p:pic>
       <p:sp>
         <p:nvSpPr>
           <p:cNvPr id="2" name="Title 1"/>
@@ -6769,39 +6823,9 @@
       </p:sp>
       <p:pic>
         <p:nvPicPr>
-          <p:cNvPr id="6" name="Картина 5"/>
+          <p:cNvPr id="1026" name="Picture 2"/>
           <p:cNvPicPr>
-            <a:picLocks noChangeAspect="1"/>
-          </p:cNvPicPr>
-          <p:nvPr/>
-        </p:nvPicPr>
-        <p:blipFill>
-          <a:blip r:embed="rId2">
-            <a:extLst>
-              <a:ext uri="{28A0092B-C50C-407E-A947-70E740481C1C}">
-                <a14:useLocalDpi xmlns:a14="http://schemas.microsoft.com/office/drawing/2010/main" val="0"/>
-              </a:ext>
-            </a:extLst>
-          </a:blip>
-          <a:stretch>
-            <a:fillRect/>
-          </a:stretch>
-        </p:blipFill>
-        <p:spPr>
-          <a:xfrm>
-            <a:off x="5042556" y="1600200"/>
-            <a:ext cx="6005016" cy="1676400"/>
-          </a:xfrm>
-          <a:prstGeom prst="rect">
-            <a:avLst/>
-          </a:prstGeom>
-        </p:spPr>
-      </p:pic>
-      <p:pic>
-        <p:nvPicPr>
-          <p:cNvPr id="7" name="Картина 6"/>
-          <p:cNvPicPr>
-            <a:picLocks noChangeAspect="1"/>
+            <a:picLocks noChangeAspect="1" noChangeArrowheads="1"/>
           </p:cNvPicPr>
           <p:nvPr/>
         </p:nvPicPr>
@@ -6813,18 +6837,42 @@
               </a:ext>
             </a:extLst>
           </a:blip>
+          <a:srcRect/>
           <a:stretch>
             <a:fillRect/>
           </a:stretch>
         </p:blipFill>
-        <p:spPr>
+        <p:spPr bwMode="auto">
           <a:xfrm>
-            <a:off x="912813" y="2667000"/>
-            <a:ext cx="5588246" cy="1646329"/>
+            <a:off x="1065212" y="2438400"/>
+            <a:ext cx="5190034" cy="2271713"/>
           </a:xfrm>
           <a:prstGeom prst="rect">
             <a:avLst/>
           </a:prstGeom>
+          <a:noFill/>
+          <a:ln>
+            <a:noFill/>
+          </a:ln>
+          <a:extLst>
+            <a:ext uri="{909E8E84-426E-40DD-AFC4-6F175D3DCCD1}">
+              <a14:hiddenFill xmlns:a14="http://schemas.microsoft.com/office/drawing/2010/main">
+                <a:solidFill>
+                  <a:schemeClr val="accent1"/>
+                </a:solidFill>
+              </a14:hiddenFill>
+            </a:ext>
+            <a:ext uri="{91240B29-F687-4F45-9708-019B960494DF}">
+              <a14:hiddenLine xmlns:a14="http://schemas.microsoft.com/office/drawing/2010/main" w="9525">
+                <a:solidFill>
+                  <a:schemeClr val="tx1"/>
+                </a:solidFill>
+                <a:miter lim="800000"/>
+                <a:headEnd/>
+                <a:tailEnd/>
+              </a14:hiddenLine>
+            </a:ext>
+          </a:extLst>
         </p:spPr>
       </p:pic>
     </p:spTree>
@@ -11162,14 +11210,14 @@
                 <a:gridCol w="2410587">
                   <a:extLst>
                     <a:ext uri="{9D8B030D-6E8A-4147-A177-3AD203B41FA5}">
-                      <a16:colId xmlns:a16="http://schemas.microsoft.com/office/drawing/2014/main" xmlns="" val="20000"/>
+                      <a16:colId xmlns="" xmlns:a16="http://schemas.microsoft.com/office/drawing/2014/main" val="20000"/>
                     </a:ext>
                   </a:extLst>
                 </a:gridCol>
                 <a:gridCol w="3616643">
                   <a:extLst>
                     <a:ext uri="{9D8B030D-6E8A-4147-A177-3AD203B41FA5}">
-                      <a16:colId xmlns:a16="http://schemas.microsoft.com/office/drawing/2014/main" xmlns="" val="20001"/>
+                      <a16:colId xmlns="" xmlns:a16="http://schemas.microsoft.com/office/drawing/2014/main" val="20001"/>
                     </a:ext>
                   </a:extLst>
                 </a:gridCol>
@@ -11289,7 +11337,7 @@
                 </a:tc>
                 <a:extLst>
                   <a:ext uri="{0D108BD9-81ED-4DB2-BD59-A6C34878D82A}">
-                    <a16:rowId xmlns:a16="http://schemas.microsoft.com/office/drawing/2014/main" xmlns="" val="10000"/>
+                    <a16:rowId xmlns="" xmlns:a16="http://schemas.microsoft.com/office/drawing/2014/main" val="10000"/>
                   </a:ext>
                 </a:extLst>
               </a:tr>
@@ -11347,7 +11395,7 @@
                 </a:tc>
                 <a:extLst>
                   <a:ext uri="{0D108BD9-81ED-4DB2-BD59-A6C34878D82A}">
-                    <a16:rowId xmlns:a16="http://schemas.microsoft.com/office/drawing/2014/main" xmlns="" val="10001"/>
+                    <a16:rowId xmlns="" xmlns:a16="http://schemas.microsoft.com/office/drawing/2014/main" val="10001"/>
                   </a:ext>
                 </a:extLst>
               </a:tr>
@@ -11421,7 +11469,7 @@
                 </a:tc>
                 <a:extLst>
                   <a:ext uri="{0D108BD9-81ED-4DB2-BD59-A6C34878D82A}">
-                    <a16:rowId xmlns:a16="http://schemas.microsoft.com/office/drawing/2014/main" xmlns="" val="10002"/>
+                    <a16:rowId xmlns="" xmlns:a16="http://schemas.microsoft.com/office/drawing/2014/main" val="10002"/>
                   </a:ext>
                 </a:extLst>
               </a:tr>
@@ -11479,7 +11527,7 @@
                 </a:tc>
                 <a:extLst>
                   <a:ext uri="{0D108BD9-81ED-4DB2-BD59-A6C34878D82A}">
-                    <a16:rowId xmlns:a16="http://schemas.microsoft.com/office/drawing/2014/main" xmlns="" val="10003"/>
+                    <a16:rowId xmlns="" xmlns:a16="http://schemas.microsoft.com/office/drawing/2014/main" val="10003"/>
                   </a:ext>
                 </a:extLst>
               </a:tr>
@@ -11553,7 +11601,7 @@
                 </a:tc>
                 <a:extLst>
                   <a:ext uri="{0D108BD9-81ED-4DB2-BD59-A6C34878D82A}">
-                    <a16:rowId xmlns:a16="http://schemas.microsoft.com/office/drawing/2014/main" xmlns="" val="10004"/>
+                    <a16:rowId xmlns="" xmlns:a16="http://schemas.microsoft.com/office/drawing/2014/main" val="10004"/>
                   </a:ext>
                 </a:extLst>
               </a:tr>
@@ -11611,7 +11659,7 @@
                 </a:tc>
                 <a:extLst>
                   <a:ext uri="{0D108BD9-81ED-4DB2-BD59-A6C34878D82A}">
-                    <a16:rowId xmlns:a16="http://schemas.microsoft.com/office/drawing/2014/main" xmlns="" val="10005"/>
+                    <a16:rowId xmlns="" xmlns:a16="http://schemas.microsoft.com/office/drawing/2014/main" val="10005"/>
                   </a:ext>
                 </a:extLst>
               </a:tr>
@@ -11701,7 +11749,7 @@
                 </a:tc>
                 <a:extLst>
                   <a:ext uri="{0D108BD9-81ED-4DB2-BD59-A6C34878D82A}">
-                    <a16:rowId xmlns:a16="http://schemas.microsoft.com/office/drawing/2014/main" xmlns="" val="10006"/>
+                    <a16:rowId xmlns="" xmlns:a16="http://schemas.microsoft.com/office/drawing/2014/main" val="10006"/>
                   </a:ext>
                 </a:extLst>
               </a:tr>
@@ -11801,7 +11849,7 @@
                 </a:tc>
                 <a:extLst>
                   <a:ext uri="{0D108BD9-81ED-4DB2-BD59-A6C34878D82A}">
-                    <a16:rowId xmlns:a16="http://schemas.microsoft.com/office/drawing/2014/main" xmlns="" val="10007"/>
+                    <a16:rowId xmlns="" xmlns:a16="http://schemas.microsoft.com/office/drawing/2014/main" val="10007"/>
                   </a:ext>
                 </a:extLst>
               </a:tr>
@@ -16568,14 +16616,14 @@
                 <a:gridCol w="6638959">
                   <a:extLst>
                     <a:ext uri="{9D8B030D-6E8A-4147-A177-3AD203B41FA5}">
-                      <a16:colId xmlns:a16="http://schemas.microsoft.com/office/drawing/2014/main" xmlns="" val="20000"/>
+                      <a16:colId xmlns="" xmlns:a16="http://schemas.microsoft.com/office/drawing/2014/main" val="20000"/>
                     </a:ext>
                   </a:extLst>
                 </a:gridCol>
                 <a:gridCol w="3713015">
                   <a:extLst>
                     <a:ext uri="{9D8B030D-6E8A-4147-A177-3AD203B41FA5}">
-                      <a16:colId xmlns:a16="http://schemas.microsoft.com/office/drawing/2014/main" xmlns="" val="20001"/>
+                      <a16:colId xmlns="" xmlns:a16="http://schemas.microsoft.com/office/drawing/2014/main" val="20001"/>
                     </a:ext>
                   </a:extLst>
                 </a:gridCol>
@@ -16839,7 +16887,7 @@
                 </a:tc>
                 <a:extLst>
                   <a:ext uri="{0D108BD9-81ED-4DB2-BD59-A6C34878D82A}">
-                    <a16:rowId xmlns:a16="http://schemas.microsoft.com/office/drawing/2014/main" xmlns="" val="10000"/>
+                    <a16:rowId xmlns="" xmlns:a16="http://schemas.microsoft.com/office/drawing/2014/main" val="10000"/>
                   </a:ext>
                 </a:extLst>
               </a:tr>
@@ -17099,7 +17147,7 @@
                 </a:tc>
                 <a:extLst>
                   <a:ext uri="{0D108BD9-81ED-4DB2-BD59-A6C34878D82A}">
-                    <a16:rowId xmlns:a16="http://schemas.microsoft.com/office/drawing/2014/main" xmlns="" val="10001"/>
+                    <a16:rowId xmlns="" xmlns:a16="http://schemas.microsoft.com/office/drawing/2014/main" val="10001"/>
                   </a:ext>
                 </a:extLst>
               </a:tr>
@@ -17339,7 +17387,7 @@
                 </a:tc>
                 <a:extLst>
                   <a:ext uri="{0D108BD9-81ED-4DB2-BD59-A6C34878D82A}">
-                    <a16:rowId xmlns:a16="http://schemas.microsoft.com/office/drawing/2014/main" xmlns="" val="10002"/>
+                    <a16:rowId xmlns="" xmlns:a16="http://schemas.microsoft.com/office/drawing/2014/main" val="10002"/>
                   </a:ext>
                 </a:extLst>
               </a:tr>
@@ -17579,7 +17627,7 @@
                 </a:tc>
                 <a:extLst>
                   <a:ext uri="{0D108BD9-81ED-4DB2-BD59-A6C34878D82A}">
-                    <a16:rowId xmlns:a16="http://schemas.microsoft.com/office/drawing/2014/main" xmlns="" val="10003"/>
+                    <a16:rowId xmlns="" xmlns:a16="http://schemas.microsoft.com/office/drawing/2014/main" val="10003"/>
                   </a:ext>
                 </a:extLst>
               </a:tr>
@@ -17819,7 +17867,7 @@
                 </a:tc>
                 <a:extLst>
                   <a:ext uri="{0D108BD9-81ED-4DB2-BD59-A6C34878D82A}">
-                    <a16:rowId xmlns:a16="http://schemas.microsoft.com/office/drawing/2014/main" xmlns="" val="10004"/>
+                    <a16:rowId xmlns="" xmlns:a16="http://schemas.microsoft.com/office/drawing/2014/main" val="10004"/>
                   </a:ext>
                 </a:extLst>
               </a:tr>
@@ -18059,7 +18107,7 @@
                 </a:tc>
                 <a:extLst>
                   <a:ext uri="{0D108BD9-81ED-4DB2-BD59-A6C34878D82A}">
-                    <a16:rowId xmlns:a16="http://schemas.microsoft.com/office/drawing/2014/main" xmlns="" val="10005"/>
+                    <a16:rowId xmlns="" xmlns:a16="http://schemas.microsoft.com/office/drawing/2014/main" val="10005"/>
                   </a:ext>
                 </a:extLst>
               </a:tr>
@@ -18332,7 +18380,7 @@
                 </a:tc>
                 <a:extLst>
                   <a:ext uri="{0D108BD9-81ED-4DB2-BD59-A6C34878D82A}">
-                    <a16:rowId xmlns:a16="http://schemas.microsoft.com/office/drawing/2014/main" xmlns="" val="10006"/>
+                    <a16:rowId xmlns="" xmlns:a16="http://schemas.microsoft.com/office/drawing/2014/main" val="10006"/>
                   </a:ext>
                 </a:extLst>
               </a:tr>
@@ -19817,13 +19865,7 @@
               <a:rPr lang="en-US" dirty="0" smtClean="0">
                 <a:hlinkClick r:id="rId2"/>
               </a:rPr>
-              <a:t>judge.softuni.bg/Contests/Practice/Index/530#1</a:t>
-            </a:r>
-            <a:r>
-              <a:rPr lang="en-US" dirty="0" smtClean="0">
-                <a:hlinkClick r:id="rId2"/>
-              </a:rPr>
-              <a:t>0</a:t>
+              <a:t>judge.softuni.bg/Contests/Practice/Index/530#10</a:t>
             </a:r>
             <a:r>
               <a:rPr lang="en-US" dirty="0" smtClean="0"/>
